--- a/donut_chart/donut_pir.pptx
+++ b/donut_chart/donut_pir.pptx
@@ -402,10 +402,10 @@
               <c:strCache>
                 <c:ptCount val="5"/>
                 <c:pt idx="0">
-                  <c:v>ICRA + RA-L* : 2</c:v>
+                  <c:v>MICCAI : 2</c:v>
                 </c:pt>
                 <c:pt idx="1">
-                  <c:v>MICCAI : 2</c:v>
+                  <c:v>ICRA + RA-L* : 2</c:v>
                 </c:pt>
                 <c:pt idx="2">
                   <c:v>ICRA : 1</c:v>
@@ -5367,7 +5367,7 @@
           <p:nvPr>
             <p:extLst>
               <p:ext uri="{D42A27DB-BD31-4B8C-83A1-F6EECF244321}">
-                <p14:modId xmlns:p14="http://schemas.microsoft.com/office/powerpoint/2010/main" val="859803152"/>
+                <p14:modId xmlns:p14="http://schemas.microsoft.com/office/powerpoint/2010/main" val="1420348821"/>
               </p:ext>
             </p:extLst>
           </p:nvPr>
